--- a/public/nreduce_stock_deck.pptx
+++ b/public/nreduce_stock_deck.pptx
@@ -6,8 +6,8 @@
   </p:sldMasterIdLst>
   <p:sldIdLst>
     <p:sldId id="256" r:id="rId2"/>
-    <p:sldId id="257" r:id="rId3"/>
-    <p:sldId id="258" r:id="rId4"/>
+    <p:sldId id="258" r:id="rId3"/>
+    <p:sldId id="257" r:id="rId4"/>
     <p:sldId id="259" r:id="rId5"/>
   </p:sldIdLst>
   <p:sldSz cx="9144000" cy="6858000" type="screen4x3"/>
@@ -291,7 +291,7 @@
           <a:p>
             <a:fld id="{F8385546-0611-954A-AE69-E71BB0802DB5}" type="datetimeFigureOut">
               <a:rPr lang="en-US" smtClean="0"/>
-              <a:t>7/31/12</a:t>
+              <a:t>8/2/12</a:t>
             </a:fld>
             <a:endParaRPr lang="en-US"/>
           </a:p>
@@ -461,7 +461,7 @@
           <a:p>
             <a:fld id="{F8385546-0611-954A-AE69-E71BB0802DB5}" type="datetimeFigureOut">
               <a:rPr lang="en-US" smtClean="0"/>
-              <a:t>7/31/12</a:t>
+              <a:t>8/2/12</a:t>
             </a:fld>
             <a:endParaRPr lang="en-US"/>
           </a:p>
@@ -641,7 +641,7 @@
           <a:p>
             <a:fld id="{F8385546-0611-954A-AE69-E71BB0802DB5}" type="datetimeFigureOut">
               <a:rPr lang="en-US" smtClean="0"/>
-              <a:t>7/31/12</a:t>
+              <a:t>8/2/12</a:t>
             </a:fld>
             <a:endParaRPr lang="en-US"/>
           </a:p>
@@ -811,7 +811,7 @@
           <a:p>
             <a:fld id="{F8385546-0611-954A-AE69-E71BB0802DB5}" type="datetimeFigureOut">
               <a:rPr lang="en-US" smtClean="0"/>
-              <a:t>7/31/12</a:t>
+              <a:t>8/2/12</a:t>
             </a:fld>
             <a:endParaRPr lang="en-US"/>
           </a:p>
@@ -1057,7 +1057,7 @@
           <a:p>
             <a:fld id="{F8385546-0611-954A-AE69-E71BB0802DB5}" type="datetimeFigureOut">
               <a:rPr lang="en-US" smtClean="0"/>
-              <a:t>7/31/12</a:t>
+              <a:t>8/2/12</a:t>
             </a:fld>
             <a:endParaRPr lang="en-US"/>
           </a:p>
@@ -1345,7 +1345,7 @@
           <a:p>
             <a:fld id="{F8385546-0611-954A-AE69-E71BB0802DB5}" type="datetimeFigureOut">
               <a:rPr lang="en-US" smtClean="0"/>
-              <a:t>7/31/12</a:t>
+              <a:t>8/2/12</a:t>
             </a:fld>
             <a:endParaRPr lang="en-US"/>
           </a:p>
@@ -1767,7 +1767,7 @@
           <a:p>
             <a:fld id="{F8385546-0611-954A-AE69-E71BB0802DB5}" type="datetimeFigureOut">
               <a:rPr lang="en-US" smtClean="0"/>
-              <a:t>7/31/12</a:t>
+              <a:t>8/2/12</a:t>
             </a:fld>
             <a:endParaRPr lang="en-US"/>
           </a:p>
@@ -1885,7 +1885,7 @@
           <a:p>
             <a:fld id="{F8385546-0611-954A-AE69-E71BB0802DB5}" type="datetimeFigureOut">
               <a:rPr lang="en-US" smtClean="0"/>
-              <a:t>7/31/12</a:t>
+              <a:t>8/2/12</a:t>
             </a:fld>
             <a:endParaRPr lang="en-US"/>
           </a:p>
@@ -1980,7 +1980,7 @@
           <a:p>
             <a:fld id="{F8385546-0611-954A-AE69-E71BB0802DB5}" type="datetimeFigureOut">
               <a:rPr lang="en-US" smtClean="0"/>
-              <a:t>7/31/12</a:t>
+              <a:t>8/2/12</a:t>
             </a:fld>
             <a:endParaRPr lang="en-US"/>
           </a:p>
@@ -2257,7 +2257,7 @@
           <a:p>
             <a:fld id="{F8385546-0611-954A-AE69-E71BB0802DB5}" type="datetimeFigureOut">
               <a:rPr lang="en-US" smtClean="0"/>
-              <a:t>7/31/12</a:t>
+              <a:t>8/2/12</a:t>
             </a:fld>
             <a:endParaRPr lang="en-US"/>
           </a:p>
@@ -2510,7 +2510,7 @@
           <a:p>
             <a:fld id="{F8385546-0611-954A-AE69-E71BB0802DB5}" type="datetimeFigureOut">
               <a:rPr lang="en-US" smtClean="0"/>
-              <a:t>7/31/12</a:t>
+              <a:t>8/2/12</a:t>
             </a:fld>
             <a:endParaRPr lang="en-US"/>
           </a:p>
@@ -2723,7 +2723,7 @@
           <a:p>
             <a:fld id="{F8385546-0611-954A-AE69-E71BB0802DB5}" type="datetimeFigureOut">
               <a:rPr lang="en-US" smtClean="0"/>
-              <a:t>7/31/12</a:t>
+              <a:t>8/2/12</a:t>
             </a:fld>
             <a:endParaRPr lang="en-US"/>
           </a:p>
@@ -3129,49 +3129,6 @@
       </p:grpSpPr>
       <p:sp>
         <p:nvSpPr>
-          <p:cNvPr id="7" name="TextBox 6"/>
-          <p:cNvSpPr txBox="1"/>
-          <p:nvPr/>
-        </p:nvSpPr>
-        <p:spPr>
-          <a:xfrm>
-            <a:off x="2700011" y="411909"/>
-            <a:ext cx="3580947" cy="369332"/>
-          </a:xfrm>
-          <a:prstGeom prst="rect">
-            <a:avLst/>
-          </a:prstGeom>
-          <a:noFill/>
-        </p:spPr>
-        <p:txBody>
-          <a:bodyPr wrap="square" rtlCol="0">
-            <a:spAutoFit/>
-          </a:bodyPr>
-          <a:lstStyle/>
-          <a:p>
-            <a:pPr algn="ctr"/>
-            <a:r>
-              <a:rPr lang="en-US" dirty="0" smtClean="0">
-                <a:solidFill>
-                  <a:schemeClr val="bg2">
-                    <a:lumMod val="75000"/>
-                  </a:schemeClr>
-                </a:solidFill>
-              </a:rPr>
-              <a:t>WHAT ARE YOU DOING?</a:t>
-            </a:r>
-            <a:endParaRPr lang="en-US" dirty="0">
-              <a:solidFill>
-                <a:schemeClr val="bg2">
-                  <a:lumMod val="75000"/>
-                </a:schemeClr>
-              </a:solidFill>
-            </a:endParaRPr>
-          </a:p>
-        </p:txBody>
-      </p:sp>
-      <p:sp>
-        <p:nvSpPr>
           <p:cNvPr id="9" name="TextBox 8"/>
           <p:cNvSpPr txBox="1"/>
           <p:nvPr/>
@@ -3231,6 +3188,49 @@
                 <a:schemeClr val="tx1">
                   <a:lumMod val="75000"/>
                   <a:lumOff val="25000"/>
+                </a:schemeClr>
+              </a:solidFill>
+            </a:endParaRPr>
+          </a:p>
+        </p:txBody>
+      </p:sp>
+      <p:sp>
+        <p:nvSpPr>
+          <p:cNvPr id="4" name="TextBox 3"/>
+          <p:cNvSpPr txBox="1"/>
+          <p:nvPr/>
+        </p:nvSpPr>
+        <p:spPr>
+          <a:xfrm>
+            <a:off x="755089" y="411907"/>
+            <a:ext cx="7459352" cy="584776"/>
+          </a:xfrm>
+          <a:prstGeom prst="rect">
+            <a:avLst/>
+          </a:prstGeom>
+          <a:noFill/>
+        </p:spPr>
+        <p:txBody>
+          <a:bodyPr wrap="square" rtlCol="0">
+            <a:spAutoFit/>
+          </a:bodyPr>
+          <a:lstStyle/>
+          <a:p>
+            <a:pPr algn="ctr"/>
+            <a:r>
+              <a:rPr lang="en-US" sz="3200" dirty="0" smtClean="0">
+                <a:solidFill>
+                  <a:schemeClr val="bg2">
+                    <a:lumMod val="75000"/>
+                  </a:schemeClr>
+                </a:solidFill>
+              </a:rPr>
+              <a:t>WHAT ARE YOU BUILDING?</a:t>
+            </a:r>
+            <a:endParaRPr lang="en-US" sz="3200" dirty="0">
+              <a:solidFill>
+                <a:schemeClr val="bg2">
+                  <a:lumMod val="75000"/>
                 </a:schemeClr>
               </a:solidFill>
             </a:endParaRPr>
@@ -3311,8 +3311,8 @@
         </p:nvSpPr>
         <p:spPr>
           <a:xfrm>
-            <a:off x="846613" y="2228672"/>
-            <a:ext cx="7367828" cy="2400657"/>
+            <a:off x="846613" y="1843951"/>
+            <a:ext cx="7367828" cy="3170099"/>
           </a:xfrm>
           <a:prstGeom prst="rect">
             <a:avLst/>
@@ -3335,7 +3335,7 @@
                   </a:schemeClr>
                 </a:solidFill>
               </a:rPr>
-              <a:t>Our users are startup founders anywhere in the world.</a:t>
+              <a:t>Founders mostly work alone and have to build a personal network to get funding.</a:t>
             </a:r>
             <a:endParaRPr lang="en-US" sz="5000" dirty="0">
               <a:solidFill>
@@ -3350,14 +3350,14 @@
       </p:sp>
       <p:sp>
         <p:nvSpPr>
-          <p:cNvPr id="2" name="TextBox 1"/>
+          <p:cNvPr id="4" name="TextBox 3"/>
           <p:cNvSpPr txBox="1"/>
           <p:nvPr/>
         </p:nvSpPr>
         <p:spPr>
           <a:xfrm>
-            <a:off x="2700011" y="411909"/>
-            <a:ext cx="3580947" cy="369332"/>
+            <a:off x="0" y="411907"/>
+            <a:ext cx="9144000" cy="584776"/>
           </a:xfrm>
           <a:prstGeom prst="rect">
             <a:avLst/>
@@ -3372,16 +3372,16 @@
           <a:p>
             <a:pPr algn="ctr"/>
             <a:r>
-              <a:rPr lang="en-US" dirty="0" smtClean="0">
+              <a:rPr lang="en-US" sz="3200" dirty="0" smtClean="0">
                 <a:solidFill>
                   <a:schemeClr val="bg2">
                     <a:lumMod val="75000"/>
                   </a:schemeClr>
                 </a:solidFill>
               </a:rPr>
-              <a:t>USER</a:t>
-            </a:r>
-            <a:endParaRPr lang="en-US" dirty="0">
+              <a:t>WHAT IS THE PROBLEM YOU ARE SOLVING?</a:t>
+            </a:r>
+            <a:endParaRPr lang="en-US" sz="3200" dirty="0">
               <a:solidFill>
                 <a:schemeClr val="bg2">
                   <a:lumMod val="75000"/>
@@ -3394,7 +3394,7 @@
     </p:spTree>
     <p:extLst>
       <p:ext uri="{BB962C8B-B14F-4D97-AF65-F5344CB8AC3E}">
-        <p14:creationId xmlns:p14="http://schemas.microsoft.com/office/powerpoint/2010/main" val="2633613179"/>
+        <p14:creationId xmlns:p14="http://schemas.microsoft.com/office/powerpoint/2010/main" val="789483567"/>
       </p:ext>
     </p:extLst>
   </p:cSld>
@@ -3465,8 +3465,8 @@
         </p:nvSpPr>
         <p:spPr>
           <a:xfrm>
-            <a:off x="846613" y="1843951"/>
-            <a:ext cx="7367828" cy="3170099"/>
+            <a:off x="846613" y="2228672"/>
+            <a:ext cx="7367828" cy="2400657"/>
           </a:xfrm>
           <a:prstGeom prst="rect">
             <a:avLst/>
@@ -3489,7 +3489,7 @@
                   </a:schemeClr>
                 </a:solidFill>
               </a:rPr>
-              <a:t>Founders mostly work alone and have to build a personal network to get funding.</a:t>
+              <a:t>Our users are startup founders anywhere in the world.</a:t>
             </a:r>
             <a:endParaRPr lang="en-US" sz="5000" dirty="0">
               <a:solidFill>
@@ -3504,14 +3504,14 @@
       </p:sp>
       <p:sp>
         <p:nvSpPr>
-          <p:cNvPr id="2" name="TextBox 1"/>
+          <p:cNvPr id="4" name="TextBox 3"/>
           <p:cNvSpPr txBox="1"/>
           <p:nvPr/>
         </p:nvSpPr>
         <p:spPr>
           <a:xfrm>
-            <a:off x="2700011" y="411909"/>
-            <a:ext cx="3580947" cy="369332"/>
+            <a:off x="755089" y="411907"/>
+            <a:ext cx="7459352" cy="584776"/>
           </a:xfrm>
           <a:prstGeom prst="rect">
             <a:avLst/>
@@ -3526,16 +3526,16 @@
           <a:p>
             <a:pPr algn="ctr"/>
             <a:r>
-              <a:rPr lang="en-US" dirty="0" smtClean="0">
+              <a:rPr lang="en-US" sz="3200" dirty="0" smtClean="0">
                 <a:solidFill>
                   <a:schemeClr val="bg2">
                     <a:lumMod val="75000"/>
                   </a:schemeClr>
                 </a:solidFill>
               </a:rPr>
-              <a:t>PROBLEM</a:t>
-            </a:r>
-            <a:endParaRPr lang="en-US" dirty="0">
+              <a:t>WHO IS YOUR USER?</a:t>
+            </a:r>
+            <a:endParaRPr lang="en-US" sz="3200" dirty="0">
               <a:solidFill>
                 <a:schemeClr val="bg2">
                   <a:lumMod val="75000"/>
@@ -3548,7 +3548,7 @@
     </p:spTree>
     <p:extLst>
       <p:ext uri="{BB962C8B-B14F-4D97-AF65-F5344CB8AC3E}">
-        <p14:creationId xmlns:p14="http://schemas.microsoft.com/office/powerpoint/2010/main" val="789483567"/>
+        <p14:creationId xmlns:p14="http://schemas.microsoft.com/office/powerpoint/2010/main" val="2633613179"/>
       </p:ext>
     </p:extLst>
   </p:cSld>
@@ -3658,14 +3658,14 @@
       </p:sp>
       <p:sp>
         <p:nvSpPr>
-          <p:cNvPr id="2" name="TextBox 1"/>
+          <p:cNvPr id="4" name="TextBox 3"/>
           <p:cNvSpPr txBox="1"/>
           <p:nvPr/>
         </p:nvSpPr>
         <p:spPr>
           <a:xfrm>
-            <a:off x="2700011" y="411909"/>
-            <a:ext cx="3580947" cy="369332"/>
+            <a:off x="755089" y="411907"/>
+            <a:ext cx="7459352" cy="584776"/>
           </a:xfrm>
           <a:prstGeom prst="rect">
             <a:avLst/>
@@ -3680,16 +3680,16 @@
           <a:p>
             <a:pPr algn="ctr"/>
             <a:r>
-              <a:rPr lang="en-US" dirty="0" smtClean="0">
+              <a:rPr lang="en-US" sz="3200" dirty="0" smtClean="0">
                 <a:solidFill>
                   <a:schemeClr val="bg2">
                     <a:lumMod val="75000"/>
                   </a:schemeClr>
                 </a:solidFill>
               </a:rPr>
-              <a:t>DIFFERENTIATION</a:t>
-            </a:r>
-            <a:endParaRPr lang="en-US" dirty="0">
+              <a:t>WHAT IS YOUR SECRET SAUCE?</a:t>
+            </a:r>
+            <a:endParaRPr lang="en-US" sz="3200" dirty="0">
               <a:solidFill>
                 <a:schemeClr val="bg2">
                   <a:lumMod val="75000"/>
